--- a/Week 1 - 완전 탐색 1.pptx
+++ b/Week 1 - 완전 탐색 1.pptx
@@ -17,8 +17,8 @@
     <p:sldId id="280" r:id="rId8"/>
     <p:sldId id="261" r:id="rId9"/>
     <p:sldId id="262" r:id="rId10"/>
-    <p:sldId id="268" r:id="rId11"/>
-    <p:sldId id="263" r:id="rId12"/>
+    <p:sldId id="263" r:id="rId11"/>
+    <p:sldId id="268" r:id="rId12"/>
     <p:sldId id="269" r:id="rId13"/>
     <p:sldId id="270" r:id="rId14"/>
     <p:sldId id="264" r:id="rId15"/>
@@ -219,7 +219,7 @@
           <a:p>
             <a:fld id="{544CCC8A-178A-5C4C-9D39-8F460AADDD3F}" type="datetimeFigureOut">
               <a:rPr kumimoji="1" lang="ko-KR" altLang="en-US" smtClean="0"/>
-              <a:t>2017. 3. 21.</a:t>
+              <a:t>2017. 3. 23.</a:t>
             </a:fld>
             <a:endParaRPr kumimoji="1" lang="ko-KR" altLang="en-US"/>
           </a:p>
@@ -618,7 +618,7 @@
           <a:p>
             <a:fld id="{1C543AB8-EA41-634A-9951-7FBA1B7CF0EA}" type="datetimeFigureOut">
               <a:rPr kumimoji="1" lang="ko-KR" altLang="en-US" smtClean="0"/>
-              <a:t>2017. 3. 21.</a:t>
+              <a:t>2017. 3. 23.</a:t>
             </a:fld>
             <a:endParaRPr kumimoji="1" lang="ko-KR" altLang="en-US"/>
           </a:p>
@@ -788,7 +788,7 @@
           <a:p>
             <a:fld id="{1C543AB8-EA41-634A-9951-7FBA1B7CF0EA}" type="datetimeFigureOut">
               <a:rPr kumimoji="1" lang="ko-KR" altLang="en-US" smtClean="0"/>
-              <a:t>2017. 3. 21.</a:t>
+              <a:t>2017. 3. 23.</a:t>
             </a:fld>
             <a:endParaRPr kumimoji="1" lang="ko-KR" altLang="en-US"/>
           </a:p>
@@ -968,7 +968,7 @@
           <a:p>
             <a:fld id="{1C543AB8-EA41-634A-9951-7FBA1B7CF0EA}" type="datetimeFigureOut">
               <a:rPr kumimoji="1" lang="ko-KR" altLang="en-US" smtClean="0"/>
-              <a:t>2017. 3. 21.</a:t>
+              <a:t>2017. 3. 23.</a:t>
             </a:fld>
             <a:endParaRPr kumimoji="1" lang="ko-KR" altLang="en-US"/>
           </a:p>
@@ -1138,7 +1138,7 @@
           <a:p>
             <a:fld id="{1C543AB8-EA41-634A-9951-7FBA1B7CF0EA}" type="datetimeFigureOut">
               <a:rPr kumimoji="1" lang="ko-KR" altLang="en-US" smtClean="0"/>
-              <a:t>2017. 3. 21.</a:t>
+              <a:t>2017. 3. 23.</a:t>
             </a:fld>
             <a:endParaRPr kumimoji="1" lang="ko-KR" altLang="en-US"/>
           </a:p>
@@ -1384,7 +1384,7 @@
           <a:p>
             <a:fld id="{1C543AB8-EA41-634A-9951-7FBA1B7CF0EA}" type="datetimeFigureOut">
               <a:rPr kumimoji="1" lang="ko-KR" altLang="en-US" smtClean="0"/>
-              <a:t>2017. 3. 21.</a:t>
+              <a:t>2017. 3. 23.</a:t>
             </a:fld>
             <a:endParaRPr kumimoji="1" lang="ko-KR" altLang="en-US"/>
           </a:p>
@@ -1616,7 +1616,7 @@
           <a:p>
             <a:fld id="{1C543AB8-EA41-634A-9951-7FBA1B7CF0EA}" type="datetimeFigureOut">
               <a:rPr kumimoji="1" lang="ko-KR" altLang="en-US" smtClean="0"/>
-              <a:t>2017. 3. 21.</a:t>
+              <a:t>2017. 3. 23.</a:t>
             </a:fld>
             <a:endParaRPr kumimoji="1" lang="ko-KR" altLang="en-US"/>
           </a:p>
@@ -1983,7 +1983,7 @@
           <a:p>
             <a:fld id="{1C543AB8-EA41-634A-9951-7FBA1B7CF0EA}" type="datetimeFigureOut">
               <a:rPr kumimoji="1" lang="ko-KR" altLang="en-US" smtClean="0"/>
-              <a:t>2017. 3. 21.</a:t>
+              <a:t>2017. 3. 23.</a:t>
             </a:fld>
             <a:endParaRPr kumimoji="1" lang="ko-KR" altLang="en-US"/>
           </a:p>
@@ -2101,7 +2101,7 @@
           <a:p>
             <a:fld id="{1C543AB8-EA41-634A-9951-7FBA1B7CF0EA}" type="datetimeFigureOut">
               <a:rPr kumimoji="1" lang="ko-KR" altLang="en-US" smtClean="0"/>
-              <a:t>2017. 3. 21.</a:t>
+              <a:t>2017. 3. 23.</a:t>
             </a:fld>
             <a:endParaRPr kumimoji="1" lang="ko-KR" altLang="en-US"/>
           </a:p>
@@ -2196,7 +2196,7 @@
           <a:p>
             <a:fld id="{1C543AB8-EA41-634A-9951-7FBA1B7CF0EA}" type="datetimeFigureOut">
               <a:rPr kumimoji="1" lang="ko-KR" altLang="en-US" smtClean="0"/>
-              <a:t>2017. 3. 21.</a:t>
+              <a:t>2017. 3. 23.</a:t>
             </a:fld>
             <a:endParaRPr kumimoji="1" lang="ko-KR" altLang="en-US"/>
           </a:p>
@@ -2473,7 +2473,7 @@
           <a:p>
             <a:fld id="{1C543AB8-EA41-634A-9951-7FBA1B7CF0EA}" type="datetimeFigureOut">
               <a:rPr kumimoji="1" lang="ko-KR" altLang="en-US" smtClean="0"/>
-              <a:t>2017. 3. 21.</a:t>
+              <a:t>2017. 3. 23.</a:t>
             </a:fld>
             <a:endParaRPr kumimoji="1" lang="ko-KR" altLang="en-US"/>
           </a:p>
@@ -2726,7 +2726,7 @@
           <a:p>
             <a:fld id="{1C543AB8-EA41-634A-9951-7FBA1B7CF0EA}" type="datetimeFigureOut">
               <a:rPr kumimoji="1" lang="ko-KR" altLang="en-US" smtClean="0"/>
-              <a:t>2017. 3. 21.</a:t>
+              <a:t>2017. 3. 23.</a:t>
             </a:fld>
             <a:endParaRPr kumimoji="1" lang="ko-KR" altLang="en-US"/>
           </a:p>
@@ -2939,7 +2939,7 @@
           <a:p>
             <a:fld id="{1C543AB8-EA41-634A-9951-7FBA1B7CF0EA}" type="datetimeFigureOut">
               <a:rPr kumimoji="1" lang="ko-KR" altLang="en-US" smtClean="0"/>
-              <a:t>2017. 3. 21.</a:t>
+              <a:t>2017. 3. 23.</a:t>
             </a:fld>
             <a:endParaRPr kumimoji="1" lang="ko-KR" altLang="en-US"/>
           </a:p>
@@ -3618,6 +3618,152 @@
         </p:nvSpPr>
         <p:spPr>
           <a:xfrm>
+            <a:off x="1341120" y="3596640"/>
+            <a:ext cx="9509760" cy="60960"/>
+          </a:xfrm>
+          <a:prstGeom prst="rect">
+            <a:avLst/>
+          </a:prstGeom>
+          <a:solidFill>
+            <a:srgbClr val="429BD9"/>
+          </a:solidFill>
+          <a:ln>
+            <a:noFill/>
+          </a:ln>
+        </p:spPr>
+        <p:style>
+          <a:lnRef idx="2">
+            <a:schemeClr val="accent1">
+              <a:shade val="50000"/>
+            </a:schemeClr>
+          </a:lnRef>
+          <a:fillRef idx="1">
+            <a:schemeClr val="accent1"/>
+          </a:fillRef>
+          <a:effectRef idx="0">
+            <a:schemeClr val="accent1"/>
+          </a:effectRef>
+          <a:fontRef idx="minor">
+            <a:schemeClr val="lt1"/>
+          </a:fontRef>
+        </p:style>
+        <p:txBody>
+          <a:bodyPr rtlCol="0" anchor="ctr"/>
+          <a:lstStyle/>
+          <a:p>
+            <a:pPr algn="ctr"/>
+            <a:endParaRPr kumimoji="1" lang="ko-KR" altLang="en-US"/>
+          </a:p>
+        </p:txBody>
+      </p:sp>
+      <p:sp>
+        <p:nvSpPr>
+          <p:cNvPr id="7" name="텍스트 상자 6"/>
+          <p:cNvSpPr txBox="1"/>
+          <p:nvPr/>
+        </p:nvSpPr>
+        <p:spPr>
+          <a:xfrm>
+            <a:off x="998220" y="2876937"/>
+            <a:ext cx="10195560" cy="707886"/>
+          </a:xfrm>
+          <a:prstGeom prst="rect">
+            <a:avLst/>
+          </a:prstGeom>
+          <a:noFill/>
+        </p:spPr>
+        <p:txBody>
+          <a:bodyPr wrap="square" rtlCol="0">
+            <a:spAutoFit/>
+          </a:bodyPr>
+          <a:lstStyle/>
+          <a:p>
+            <a:pPr marR="0" lvl="0" algn="ctr" defTabSz="914400" eaLnBrk="1" fontAlgn="auto" latinLnBrk="0" hangingPunct="1">
+              <a:lnSpc>
+                <a:spcPct val="100000"/>
+              </a:lnSpc>
+              <a:spcBef>
+                <a:spcPts val="0"/>
+              </a:spcBef>
+              <a:spcAft>
+                <a:spcPts val="0"/>
+              </a:spcAft>
+              <a:buClrTx/>
+              <a:buSzTx/>
+              <a:tabLst/>
+              <a:defRPr/>
+            </a:pPr>
+            <a:r>
+              <a:rPr kumimoji="1" lang="ko-KR" altLang="en-US" sz="4000" b="1" dirty="0" smtClean="0">
+                <a:solidFill>
+                  <a:srgbClr val="429BD9"/>
+                </a:solidFill>
+                <a:effectLst>
+                  <a:outerShdw blurRad="50800" dist="50800" dir="5400000" algn="ctr" rotWithShape="0">
+                    <a:schemeClr val="bg1"/>
+                  </a:outerShdw>
+                </a:effectLst>
+              </a:rPr>
+              <a:t>진짜 문제 풀어보기</a:t>
+            </a:r>
+            <a:endParaRPr kumimoji="1" lang="en-US" altLang="ko-KR" sz="4000" b="1" dirty="0" smtClean="0">
+              <a:solidFill>
+                <a:srgbClr val="429BD9"/>
+              </a:solidFill>
+              <a:effectLst>
+                <a:outerShdw blurRad="50800" dist="50800" dir="5400000" algn="ctr" rotWithShape="0">
+                  <a:schemeClr val="bg1"/>
+                </a:outerShdw>
+              </a:effectLst>
+            </a:endParaRPr>
+          </a:p>
+        </p:txBody>
+      </p:sp>
+    </p:spTree>
+    <p:extLst>
+      <p:ext uri="{BB962C8B-B14F-4D97-AF65-F5344CB8AC3E}">
+        <p14:creationId xmlns:p14="http://schemas.microsoft.com/office/powerpoint/2010/main" val="2068146963"/>
+      </p:ext>
+    </p:extLst>
+  </p:cSld>
+  <p:clrMapOvr>
+    <a:masterClrMapping/>
+  </p:clrMapOvr>
+  <p:timing>
+    <p:tnLst>
+      <p:par>
+        <p:cTn id="1" dur="indefinite" restart="never" nodeType="tmRoot"/>
+      </p:par>
+    </p:tnLst>
+  </p:timing>
+</p:sld>
+</file>
+
+<file path=ppt/slides/slide11.xml><?xml version="1.0" encoding="utf-8"?>
+<p:sld xmlns:a="http://schemas.openxmlformats.org/drawingml/2006/main" xmlns:r="http://schemas.openxmlformats.org/officeDocument/2006/relationships" xmlns:p="http://schemas.openxmlformats.org/presentationml/2006/main">
+  <p:cSld>
+    <p:spTree>
+      <p:nvGrpSpPr>
+        <p:cNvPr id="1" name=""/>
+        <p:cNvGrpSpPr/>
+        <p:nvPr/>
+      </p:nvGrpSpPr>
+      <p:grpSpPr>
+        <a:xfrm>
+          <a:off x="0" y="0"/>
+          <a:ext cx="0" cy="0"/>
+          <a:chOff x="0" y="0"/>
+          <a:chExt cx="0" cy="0"/>
+        </a:xfrm>
+      </p:grpSpPr>
+      <p:sp>
+        <p:nvSpPr>
+          <p:cNvPr id="4" name="직사각형 3"/>
+          <p:cNvSpPr/>
+          <p:nvPr/>
+        </p:nvSpPr>
+        <p:spPr>
+          <a:xfrm>
             <a:off x="0" y="137160"/>
             <a:ext cx="76200" cy="1080000"/>
           </a:xfrm>
@@ -4474,152 +4620,6 @@
 </p:sld>
 </file>
 
-<file path=ppt/slides/slide11.xml><?xml version="1.0" encoding="utf-8"?>
-<p:sld xmlns:a="http://schemas.openxmlformats.org/drawingml/2006/main" xmlns:r="http://schemas.openxmlformats.org/officeDocument/2006/relationships" xmlns:p="http://schemas.openxmlformats.org/presentationml/2006/main">
-  <p:cSld>
-    <p:spTree>
-      <p:nvGrpSpPr>
-        <p:cNvPr id="1" name=""/>
-        <p:cNvGrpSpPr/>
-        <p:nvPr/>
-      </p:nvGrpSpPr>
-      <p:grpSpPr>
-        <a:xfrm>
-          <a:off x="0" y="0"/>
-          <a:ext cx="0" cy="0"/>
-          <a:chOff x="0" y="0"/>
-          <a:chExt cx="0" cy="0"/>
-        </a:xfrm>
-      </p:grpSpPr>
-      <p:sp>
-        <p:nvSpPr>
-          <p:cNvPr id="4" name="직사각형 3"/>
-          <p:cNvSpPr/>
-          <p:nvPr/>
-        </p:nvSpPr>
-        <p:spPr>
-          <a:xfrm>
-            <a:off x="1341120" y="3596640"/>
-            <a:ext cx="9509760" cy="60960"/>
-          </a:xfrm>
-          <a:prstGeom prst="rect">
-            <a:avLst/>
-          </a:prstGeom>
-          <a:solidFill>
-            <a:srgbClr val="429BD9"/>
-          </a:solidFill>
-          <a:ln>
-            <a:noFill/>
-          </a:ln>
-        </p:spPr>
-        <p:style>
-          <a:lnRef idx="2">
-            <a:schemeClr val="accent1">
-              <a:shade val="50000"/>
-            </a:schemeClr>
-          </a:lnRef>
-          <a:fillRef idx="1">
-            <a:schemeClr val="accent1"/>
-          </a:fillRef>
-          <a:effectRef idx="0">
-            <a:schemeClr val="accent1"/>
-          </a:effectRef>
-          <a:fontRef idx="minor">
-            <a:schemeClr val="lt1"/>
-          </a:fontRef>
-        </p:style>
-        <p:txBody>
-          <a:bodyPr rtlCol="0" anchor="ctr"/>
-          <a:lstStyle/>
-          <a:p>
-            <a:pPr algn="ctr"/>
-            <a:endParaRPr kumimoji="1" lang="ko-KR" altLang="en-US"/>
-          </a:p>
-        </p:txBody>
-      </p:sp>
-      <p:sp>
-        <p:nvSpPr>
-          <p:cNvPr id="7" name="텍스트 상자 6"/>
-          <p:cNvSpPr txBox="1"/>
-          <p:nvPr/>
-        </p:nvSpPr>
-        <p:spPr>
-          <a:xfrm>
-            <a:off x="998220" y="2876937"/>
-            <a:ext cx="10195560" cy="707886"/>
-          </a:xfrm>
-          <a:prstGeom prst="rect">
-            <a:avLst/>
-          </a:prstGeom>
-          <a:noFill/>
-        </p:spPr>
-        <p:txBody>
-          <a:bodyPr wrap="square" rtlCol="0">
-            <a:spAutoFit/>
-          </a:bodyPr>
-          <a:lstStyle/>
-          <a:p>
-            <a:pPr marR="0" lvl="0" algn="ctr" defTabSz="914400" eaLnBrk="1" fontAlgn="auto" latinLnBrk="0" hangingPunct="1">
-              <a:lnSpc>
-                <a:spcPct val="100000"/>
-              </a:lnSpc>
-              <a:spcBef>
-                <a:spcPts val="0"/>
-              </a:spcBef>
-              <a:spcAft>
-                <a:spcPts val="0"/>
-              </a:spcAft>
-              <a:buClrTx/>
-              <a:buSzTx/>
-              <a:tabLst/>
-              <a:defRPr/>
-            </a:pPr>
-            <a:r>
-              <a:rPr kumimoji="1" lang="ko-KR" altLang="en-US" sz="4000" b="1" dirty="0" smtClean="0">
-                <a:solidFill>
-                  <a:srgbClr val="429BD9"/>
-                </a:solidFill>
-                <a:effectLst>
-                  <a:outerShdw blurRad="50800" dist="50800" dir="5400000" algn="ctr" rotWithShape="0">
-                    <a:schemeClr val="bg1"/>
-                  </a:outerShdw>
-                </a:effectLst>
-              </a:rPr>
-              <a:t>진짜 문제 풀어보기</a:t>
-            </a:r>
-            <a:endParaRPr kumimoji="1" lang="en-US" altLang="ko-KR" sz="4000" b="1" dirty="0" smtClean="0">
-              <a:solidFill>
-                <a:srgbClr val="429BD9"/>
-              </a:solidFill>
-              <a:effectLst>
-                <a:outerShdw blurRad="50800" dist="50800" dir="5400000" algn="ctr" rotWithShape="0">
-                  <a:schemeClr val="bg1"/>
-                </a:outerShdw>
-              </a:effectLst>
-            </a:endParaRPr>
-          </a:p>
-        </p:txBody>
-      </p:sp>
-    </p:spTree>
-    <p:extLst>
-      <p:ext uri="{BB962C8B-B14F-4D97-AF65-F5344CB8AC3E}">
-        <p14:creationId xmlns:p14="http://schemas.microsoft.com/office/powerpoint/2010/main" val="2068146963"/>
-      </p:ext>
-    </p:extLst>
-  </p:cSld>
-  <p:clrMapOvr>
-    <a:masterClrMapping/>
-  </p:clrMapOvr>
-  <p:timing>
-    <p:tnLst>
-      <p:par>
-        <p:cTn id="1" dur="indefinite" restart="never" nodeType="tmRoot"/>
-      </p:par>
-    </p:tnLst>
-  </p:timing>
-</p:sld>
-</file>
-
 <file path=ppt/slides/slide12.xml><?xml version="1.0" encoding="utf-8"?>
 <p:sld xmlns:a="http://schemas.openxmlformats.org/drawingml/2006/main" xmlns:r="http://schemas.openxmlformats.org/officeDocument/2006/relationships" xmlns:p="http://schemas.openxmlformats.org/presentationml/2006/main">
   <p:cSld>
@@ -10318,15 +10318,7 @@
                   <a:srgbClr val="4D4D4D"/>
                 </a:solidFill>
               </a:rPr>
-              <a:t>당연히 </a:t>
-            </a:r>
-            <a:r>
-              <a:rPr kumimoji="1" lang="ko-KR" altLang="en-US" sz="2800" b="1" dirty="0" smtClean="0">
-                <a:solidFill>
-                  <a:srgbClr val="4D4D4D"/>
-                </a:solidFill>
-              </a:rPr>
-              <a:t>비효율적</a:t>
+              <a:t>당연히 비효율적</a:t>
             </a:r>
             <a:endParaRPr kumimoji="1" lang="en-US" altLang="ko-KR" sz="2800" b="1" dirty="0" smtClean="0">
               <a:solidFill>
@@ -10423,47 +10415,7 @@
                   <a:srgbClr val="4D4D4D"/>
                 </a:solidFill>
               </a:rPr>
-              <a:t>그리고</a:t>
-            </a:r>
-            <a:r>
-              <a:rPr kumimoji="1" lang="ko-KR" altLang="en-US" sz="2800" b="1" dirty="0" smtClean="0">
-                <a:solidFill>
-                  <a:srgbClr val="4D4D4D"/>
-                </a:solidFill>
-              </a:rPr>
-              <a:t> </a:t>
-            </a:r>
-            <a:r>
-              <a:rPr kumimoji="1" lang="ko-KR" altLang="en-US" sz="2800" b="1" dirty="0" smtClean="0">
-                <a:solidFill>
-                  <a:srgbClr val="4D4D4D"/>
-                </a:solidFill>
-              </a:rPr>
-              <a:t>완전 탐색 코드를 </a:t>
-            </a:r>
-            <a:r>
-              <a:rPr kumimoji="1" lang="ko-KR" altLang="en-US" sz="2800" b="1" dirty="0" smtClean="0">
-                <a:solidFill>
-                  <a:srgbClr val="4D4D4D"/>
-                </a:solidFill>
-              </a:rPr>
-              <a:t>개선하여 더 </a:t>
-            </a:r>
-            <a:r>
-              <a:rPr kumimoji="1" lang="ko-KR" altLang="en-US" sz="2800" b="1" dirty="0" smtClean="0">
-                <a:solidFill>
-                  <a:srgbClr val="4D4D4D"/>
-                </a:solidFill>
-              </a:rPr>
-              <a:t>효율적인 </a:t>
-            </a:r>
-            <a:r>
-              <a:rPr kumimoji="1" lang="ko-KR" altLang="en-US" sz="2800" b="1" dirty="0" smtClean="0">
-                <a:solidFill>
-                  <a:srgbClr val="4D4D4D"/>
-                </a:solidFill>
-              </a:rPr>
-              <a:t>코드를</a:t>
+              <a:t>그리고 완전 탐색 코드를 개선하여 더 효율적인 코드를</a:t>
             </a:r>
             <a:r>
               <a:rPr kumimoji="1" lang="en-US" altLang="ko-KR" sz="2800" b="1" dirty="0" smtClean="0">
@@ -10486,15 +10438,7 @@
                   <a:srgbClr val="4D4D4D"/>
                 </a:solidFill>
               </a:rPr>
-              <a:t>작성할 </a:t>
-            </a:r>
-            <a:r>
-              <a:rPr kumimoji="1" lang="ko-KR" altLang="en-US" sz="2800" b="1" dirty="0" smtClean="0">
-                <a:solidFill>
-                  <a:srgbClr val="4D4D4D"/>
-                </a:solidFill>
-              </a:rPr>
-              <a:t>수 있는 경우가 많다</a:t>
+              <a:t>작성할 수 있는 경우가 많다</a:t>
             </a:r>
             <a:r>
               <a:rPr kumimoji="1" lang="en-US" altLang="ko-KR" sz="2800" b="1" dirty="0" smtClean="0">
